--- a/ppt 16-9/1106.蓝色的夜.pptx
+++ b/ppt 16-9/1106.蓝色的夜.pptx
@@ -5,7 +5,7 @@
     <p:sldMasterId id="2147483648" r:id="rId1"/>
   </p:sldMasterIdLst>
   <p:sldIdLst>
-    <p:sldId id="574" r:id="rId2"/>
+    <p:sldId id="576" r:id="rId2"/>
   </p:sldIdLst>
   <p:sldSz cx="12192000" cy="6858000"/>
   <p:notesSz cx="6858000" cy="9144000"/>
@@ -129,7 +129,7 @@
           <p:cNvPr id="2" name="标题 1">
             <a:extLst>
               <a:ext uri="{FF2B5EF4-FFF2-40B4-BE49-F238E27FC236}">
-                <a16:creationId xmlns:a16="http://schemas.microsoft.com/office/drawing/2014/main" id="{FB38F04D-540F-41EB-ABB0-5A5470069826}"/>
+                <a16:creationId xmlns:a16="http://schemas.microsoft.com/office/drawing/2014/main" id="{8EEE385F-A857-FB28-2138-FAA76C75BCE1}"/>
               </a:ext>
             </a:extLst>
           </p:cNvPr>
@@ -166,7 +166,7 @@
           <p:cNvPr id="3" name="副标题 2">
             <a:extLst>
               <a:ext uri="{FF2B5EF4-FFF2-40B4-BE49-F238E27FC236}">
-                <a16:creationId xmlns:a16="http://schemas.microsoft.com/office/drawing/2014/main" id="{81BEF71C-B1DB-76DF-4C8F-09639159948D}"/>
+                <a16:creationId xmlns:a16="http://schemas.microsoft.com/office/drawing/2014/main" id="{72253AF3-64DC-52BC-E661-96EF25DBED4D}"/>
               </a:ext>
             </a:extLst>
           </p:cNvPr>
@@ -236,7 +236,7 @@
           <p:cNvPr id="4" name="日期占位符 3">
             <a:extLst>
               <a:ext uri="{FF2B5EF4-FFF2-40B4-BE49-F238E27FC236}">
-                <a16:creationId xmlns:a16="http://schemas.microsoft.com/office/drawing/2014/main" id="{D2609BBA-2BCC-A035-5552-BA355A3CFE06}"/>
+                <a16:creationId xmlns:a16="http://schemas.microsoft.com/office/drawing/2014/main" id="{AEACA400-5F1A-5948-A7BF-38618A104D4E}"/>
               </a:ext>
             </a:extLst>
           </p:cNvPr>
@@ -252,7 +252,7 @@
           <a:bodyPr/>
           <a:lstStyle/>
           <a:p>
-            <a:fld id="{54785EAA-157E-4E43-81C2-8A18B058EF67}" type="datetimeFigureOut">
+            <a:fld id="{8D8721D8-B7F3-4D74-B32C-9FCC18216309}" type="datetimeFigureOut">
               <a:rPr lang="zh-CN" altLang="en-US" smtClean="0"/>
               <a:t>2024/3/10</a:t>
             </a:fld>
@@ -265,7 +265,7 @@
           <p:cNvPr id="5" name="页脚占位符 4">
             <a:extLst>
               <a:ext uri="{FF2B5EF4-FFF2-40B4-BE49-F238E27FC236}">
-                <a16:creationId xmlns:a16="http://schemas.microsoft.com/office/drawing/2014/main" id="{E2B72ABC-0839-E77B-2EC5-88A4B11A9F7F}"/>
+                <a16:creationId xmlns:a16="http://schemas.microsoft.com/office/drawing/2014/main" id="{801E49F5-55E3-CF0E-05FB-4150D92971CF}"/>
               </a:ext>
             </a:extLst>
           </p:cNvPr>
@@ -290,7 +290,7 @@
           <p:cNvPr id="6" name="灯片编号占位符 5">
             <a:extLst>
               <a:ext uri="{FF2B5EF4-FFF2-40B4-BE49-F238E27FC236}">
-                <a16:creationId xmlns:a16="http://schemas.microsoft.com/office/drawing/2014/main" id="{A95FF198-C698-89E8-17B4-8914914058C1}"/>
+                <a16:creationId xmlns:a16="http://schemas.microsoft.com/office/drawing/2014/main" id="{998A0308-4AF5-B927-63A4-39115AFB5CE3}"/>
               </a:ext>
             </a:extLst>
           </p:cNvPr>
@@ -306,7 +306,7 @@
           <a:bodyPr/>
           <a:lstStyle/>
           <a:p>
-            <a:fld id="{20A8294D-85A7-4E8D-A4EC-E53D3913F203}" type="slidenum">
+            <a:fld id="{F4478CEA-CDD2-47C8-9EBC-3348B773E690}" type="slidenum">
               <a:rPr lang="zh-CN" altLang="en-US" smtClean="0"/>
               <a:t>‹#›</a:t>
             </a:fld>
@@ -317,7 +317,7 @@
     </p:spTree>
     <p:extLst>
       <p:ext uri="{BB962C8B-B14F-4D97-AF65-F5344CB8AC3E}">
-        <p14:creationId xmlns:p14="http://schemas.microsoft.com/office/powerpoint/2010/main" val="3433682925"/>
+        <p14:creationId xmlns:p14="http://schemas.microsoft.com/office/powerpoint/2010/main" val="2668446764"/>
       </p:ext>
     </p:extLst>
   </p:cSld>
@@ -349,7 +349,7 @@
           <p:cNvPr id="2" name="标题 1">
             <a:extLst>
               <a:ext uri="{FF2B5EF4-FFF2-40B4-BE49-F238E27FC236}">
-                <a16:creationId xmlns:a16="http://schemas.microsoft.com/office/drawing/2014/main" id="{6BB99B2A-C641-1EFA-5964-70F22CBFF70C}"/>
+                <a16:creationId xmlns:a16="http://schemas.microsoft.com/office/drawing/2014/main" id="{65BADD33-1E85-BE8F-75AA-2F3B50414B13}"/>
               </a:ext>
             </a:extLst>
           </p:cNvPr>
@@ -377,7 +377,7 @@
           <p:cNvPr id="3" name="竖排文字占位符 2">
             <a:extLst>
               <a:ext uri="{FF2B5EF4-FFF2-40B4-BE49-F238E27FC236}">
-                <a16:creationId xmlns:a16="http://schemas.microsoft.com/office/drawing/2014/main" id="{7564CA7A-D7D9-EEBB-76A3-AEB88EE9E5A7}"/>
+                <a16:creationId xmlns:a16="http://schemas.microsoft.com/office/drawing/2014/main" id="{5AF106FC-F3CA-C16B-E6A0-F478181714C5}"/>
               </a:ext>
             </a:extLst>
           </p:cNvPr>
@@ -434,7 +434,7 @@
           <p:cNvPr id="4" name="日期占位符 3">
             <a:extLst>
               <a:ext uri="{FF2B5EF4-FFF2-40B4-BE49-F238E27FC236}">
-                <a16:creationId xmlns:a16="http://schemas.microsoft.com/office/drawing/2014/main" id="{7DA01260-676D-E119-181E-77159FBEA7A0}"/>
+                <a16:creationId xmlns:a16="http://schemas.microsoft.com/office/drawing/2014/main" id="{BFD41A7C-424F-AE92-B74A-2796FC208FF7}"/>
               </a:ext>
             </a:extLst>
           </p:cNvPr>
@@ -450,7 +450,7 @@
           <a:bodyPr/>
           <a:lstStyle/>
           <a:p>
-            <a:fld id="{54785EAA-157E-4E43-81C2-8A18B058EF67}" type="datetimeFigureOut">
+            <a:fld id="{8D8721D8-B7F3-4D74-B32C-9FCC18216309}" type="datetimeFigureOut">
               <a:rPr lang="zh-CN" altLang="en-US" smtClean="0"/>
               <a:t>2024/3/10</a:t>
             </a:fld>
@@ -463,7 +463,7 @@
           <p:cNvPr id="5" name="页脚占位符 4">
             <a:extLst>
               <a:ext uri="{FF2B5EF4-FFF2-40B4-BE49-F238E27FC236}">
-                <a16:creationId xmlns:a16="http://schemas.microsoft.com/office/drawing/2014/main" id="{DD211B7B-B707-7A9B-C42D-FFD03161AC46}"/>
+                <a16:creationId xmlns:a16="http://schemas.microsoft.com/office/drawing/2014/main" id="{C4839EA3-8559-9B11-6D8F-6D8F500FD787}"/>
               </a:ext>
             </a:extLst>
           </p:cNvPr>
@@ -488,7 +488,7 @@
           <p:cNvPr id="6" name="灯片编号占位符 5">
             <a:extLst>
               <a:ext uri="{FF2B5EF4-FFF2-40B4-BE49-F238E27FC236}">
-                <a16:creationId xmlns:a16="http://schemas.microsoft.com/office/drawing/2014/main" id="{5DDB43A0-B33D-5E96-E904-D3D8A23A837E}"/>
+                <a16:creationId xmlns:a16="http://schemas.microsoft.com/office/drawing/2014/main" id="{2DD88203-8F13-BE06-9AD6-3FEC0E6645BD}"/>
               </a:ext>
             </a:extLst>
           </p:cNvPr>
@@ -504,7 +504,7 @@
           <a:bodyPr/>
           <a:lstStyle/>
           <a:p>
-            <a:fld id="{20A8294D-85A7-4E8D-A4EC-E53D3913F203}" type="slidenum">
+            <a:fld id="{F4478CEA-CDD2-47C8-9EBC-3348B773E690}" type="slidenum">
               <a:rPr lang="zh-CN" altLang="en-US" smtClean="0"/>
               <a:t>‹#›</a:t>
             </a:fld>
@@ -515,7 +515,7 @@
     </p:spTree>
     <p:extLst>
       <p:ext uri="{BB962C8B-B14F-4D97-AF65-F5344CB8AC3E}">
-        <p14:creationId xmlns:p14="http://schemas.microsoft.com/office/powerpoint/2010/main" val="2348127303"/>
+        <p14:creationId xmlns:p14="http://schemas.microsoft.com/office/powerpoint/2010/main" val="1089875714"/>
       </p:ext>
     </p:extLst>
   </p:cSld>
@@ -547,7 +547,7 @@
           <p:cNvPr id="2" name="竖排标题 1">
             <a:extLst>
               <a:ext uri="{FF2B5EF4-FFF2-40B4-BE49-F238E27FC236}">
-                <a16:creationId xmlns:a16="http://schemas.microsoft.com/office/drawing/2014/main" id="{E5254A71-D352-18F6-95AD-BDE90C020382}"/>
+                <a16:creationId xmlns:a16="http://schemas.microsoft.com/office/drawing/2014/main" id="{BA8D5EB7-6F68-5960-8111-523FFF096226}"/>
               </a:ext>
             </a:extLst>
           </p:cNvPr>
@@ -580,7 +580,7 @@
           <p:cNvPr id="3" name="竖排文字占位符 2">
             <a:extLst>
               <a:ext uri="{FF2B5EF4-FFF2-40B4-BE49-F238E27FC236}">
-                <a16:creationId xmlns:a16="http://schemas.microsoft.com/office/drawing/2014/main" id="{5082A97F-DDF2-AAD9-49AC-7863B0D41F8D}"/>
+                <a16:creationId xmlns:a16="http://schemas.microsoft.com/office/drawing/2014/main" id="{29FE4262-36EB-E16D-C6AC-E6FC673CC42C}"/>
               </a:ext>
             </a:extLst>
           </p:cNvPr>
@@ -642,7 +642,7 @@
           <p:cNvPr id="4" name="日期占位符 3">
             <a:extLst>
               <a:ext uri="{FF2B5EF4-FFF2-40B4-BE49-F238E27FC236}">
-                <a16:creationId xmlns:a16="http://schemas.microsoft.com/office/drawing/2014/main" id="{A9B03F66-752D-A72C-0AC0-81048A127CCE}"/>
+                <a16:creationId xmlns:a16="http://schemas.microsoft.com/office/drawing/2014/main" id="{80DDB0A1-FCA9-F255-063F-3BE828F0BC48}"/>
               </a:ext>
             </a:extLst>
           </p:cNvPr>
@@ -658,7 +658,7 @@
           <a:bodyPr/>
           <a:lstStyle/>
           <a:p>
-            <a:fld id="{54785EAA-157E-4E43-81C2-8A18B058EF67}" type="datetimeFigureOut">
+            <a:fld id="{8D8721D8-B7F3-4D74-B32C-9FCC18216309}" type="datetimeFigureOut">
               <a:rPr lang="zh-CN" altLang="en-US" smtClean="0"/>
               <a:t>2024/3/10</a:t>
             </a:fld>
@@ -671,7 +671,7 @@
           <p:cNvPr id="5" name="页脚占位符 4">
             <a:extLst>
               <a:ext uri="{FF2B5EF4-FFF2-40B4-BE49-F238E27FC236}">
-                <a16:creationId xmlns:a16="http://schemas.microsoft.com/office/drawing/2014/main" id="{D3903E87-A791-A5FE-3688-F7DF4480153E}"/>
+                <a16:creationId xmlns:a16="http://schemas.microsoft.com/office/drawing/2014/main" id="{D1DC91CC-D2BC-4635-6095-7BBA791358B6}"/>
               </a:ext>
             </a:extLst>
           </p:cNvPr>
@@ -696,7 +696,7 @@
           <p:cNvPr id="6" name="灯片编号占位符 5">
             <a:extLst>
               <a:ext uri="{FF2B5EF4-FFF2-40B4-BE49-F238E27FC236}">
-                <a16:creationId xmlns:a16="http://schemas.microsoft.com/office/drawing/2014/main" id="{D3418F18-CAC9-7BC7-177E-470DCBFE5708}"/>
+                <a16:creationId xmlns:a16="http://schemas.microsoft.com/office/drawing/2014/main" id="{CE37C2FF-F3C4-560D-4DC9-3C8A41B96C7E}"/>
               </a:ext>
             </a:extLst>
           </p:cNvPr>
@@ -712,7 +712,7 @@
           <a:bodyPr/>
           <a:lstStyle/>
           <a:p>
-            <a:fld id="{20A8294D-85A7-4E8D-A4EC-E53D3913F203}" type="slidenum">
+            <a:fld id="{F4478CEA-CDD2-47C8-9EBC-3348B773E690}" type="slidenum">
               <a:rPr lang="zh-CN" altLang="en-US" smtClean="0"/>
               <a:t>‹#›</a:t>
             </a:fld>
@@ -723,7 +723,7 @@
     </p:spTree>
     <p:extLst>
       <p:ext uri="{BB962C8B-B14F-4D97-AF65-F5344CB8AC3E}">
-        <p14:creationId xmlns:p14="http://schemas.microsoft.com/office/powerpoint/2010/main" val="330568563"/>
+        <p14:creationId xmlns:p14="http://schemas.microsoft.com/office/powerpoint/2010/main" val="486354199"/>
       </p:ext>
     </p:extLst>
   </p:cSld>
@@ -755,7 +755,7 @@
           <p:cNvPr id="2" name="标题 1">
             <a:extLst>
               <a:ext uri="{FF2B5EF4-FFF2-40B4-BE49-F238E27FC236}">
-                <a16:creationId xmlns:a16="http://schemas.microsoft.com/office/drawing/2014/main" id="{5C08DD35-F674-2828-69D7-686FA10003DA}"/>
+                <a16:creationId xmlns:a16="http://schemas.microsoft.com/office/drawing/2014/main" id="{118D5CEC-9E3B-EE70-829F-CF70912B3E0A}"/>
               </a:ext>
             </a:extLst>
           </p:cNvPr>
@@ -783,7 +783,7 @@
           <p:cNvPr id="3" name="内容占位符 2">
             <a:extLst>
               <a:ext uri="{FF2B5EF4-FFF2-40B4-BE49-F238E27FC236}">
-                <a16:creationId xmlns:a16="http://schemas.microsoft.com/office/drawing/2014/main" id="{65D92C91-DEC8-D093-50B8-8A2FFAA081AD}"/>
+                <a16:creationId xmlns:a16="http://schemas.microsoft.com/office/drawing/2014/main" id="{E2D969A9-9A0A-1DFE-E45E-DEBFDE4191ED}"/>
               </a:ext>
             </a:extLst>
           </p:cNvPr>
@@ -840,7 +840,7 @@
           <p:cNvPr id="4" name="日期占位符 3">
             <a:extLst>
               <a:ext uri="{FF2B5EF4-FFF2-40B4-BE49-F238E27FC236}">
-                <a16:creationId xmlns:a16="http://schemas.microsoft.com/office/drawing/2014/main" id="{BFE5EAC4-5E3C-5999-BD6F-AAE99892E660}"/>
+                <a16:creationId xmlns:a16="http://schemas.microsoft.com/office/drawing/2014/main" id="{06F6B155-7B3F-01DD-FB7E-58D98088567D}"/>
               </a:ext>
             </a:extLst>
           </p:cNvPr>
@@ -856,7 +856,7 @@
           <a:bodyPr/>
           <a:lstStyle/>
           <a:p>
-            <a:fld id="{54785EAA-157E-4E43-81C2-8A18B058EF67}" type="datetimeFigureOut">
+            <a:fld id="{8D8721D8-B7F3-4D74-B32C-9FCC18216309}" type="datetimeFigureOut">
               <a:rPr lang="zh-CN" altLang="en-US" smtClean="0"/>
               <a:t>2024/3/10</a:t>
             </a:fld>
@@ -869,7 +869,7 @@
           <p:cNvPr id="5" name="页脚占位符 4">
             <a:extLst>
               <a:ext uri="{FF2B5EF4-FFF2-40B4-BE49-F238E27FC236}">
-                <a16:creationId xmlns:a16="http://schemas.microsoft.com/office/drawing/2014/main" id="{C4FD88A0-69F6-438B-AA6E-62FE5C189E13}"/>
+                <a16:creationId xmlns:a16="http://schemas.microsoft.com/office/drawing/2014/main" id="{A8A8B3C5-0502-DCC2-B4C7-BA91EB58BB82}"/>
               </a:ext>
             </a:extLst>
           </p:cNvPr>
@@ -894,7 +894,7 @@
           <p:cNvPr id="6" name="灯片编号占位符 5">
             <a:extLst>
               <a:ext uri="{FF2B5EF4-FFF2-40B4-BE49-F238E27FC236}">
-                <a16:creationId xmlns:a16="http://schemas.microsoft.com/office/drawing/2014/main" id="{6C5951D8-0D1F-B73D-5DB6-E399BB4C946E}"/>
+                <a16:creationId xmlns:a16="http://schemas.microsoft.com/office/drawing/2014/main" id="{9EE155C9-D542-244B-4DC0-6D15401C0610}"/>
               </a:ext>
             </a:extLst>
           </p:cNvPr>
@@ -910,7 +910,7 @@
           <a:bodyPr/>
           <a:lstStyle/>
           <a:p>
-            <a:fld id="{20A8294D-85A7-4E8D-A4EC-E53D3913F203}" type="slidenum">
+            <a:fld id="{F4478CEA-CDD2-47C8-9EBC-3348B773E690}" type="slidenum">
               <a:rPr lang="zh-CN" altLang="en-US" smtClean="0"/>
               <a:t>‹#›</a:t>
             </a:fld>
@@ -921,7 +921,7 @@
     </p:spTree>
     <p:extLst>
       <p:ext uri="{BB962C8B-B14F-4D97-AF65-F5344CB8AC3E}">
-        <p14:creationId xmlns:p14="http://schemas.microsoft.com/office/powerpoint/2010/main" val="4245539863"/>
+        <p14:creationId xmlns:p14="http://schemas.microsoft.com/office/powerpoint/2010/main" val="3279238067"/>
       </p:ext>
     </p:extLst>
   </p:cSld>
@@ -953,7 +953,7 @@
           <p:cNvPr id="2" name="标题 1">
             <a:extLst>
               <a:ext uri="{FF2B5EF4-FFF2-40B4-BE49-F238E27FC236}">
-                <a16:creationId xmlns:a16="http://schemas.microsoft.com/office/drawing/2014/main" id="{52BE9AE7-1F3C-3299-0C2A-41F405B54CD3}"/>
+                <a16:creationId xmlns:a16="http://schemas.microsoft.com/office/drawing/2014/main" id="{56CDAF08-5451-F53A-6219-4E03F8D978B6}"/>
               </a:ext>
             </a:extLst>
           </p:cNvPr>
@@ -990,7 +990,7 @@
           <p:cNvPr id="3" name="文本占位符 2">
             <a:extLst>
               <a:ext uri="{FF2B5EF4-FFF2-40B4-BE49-F238E27FC236}">
-                <a16:creationId xmlns:a16="http://schemas.microsoft.com/office/drawing/2014/main" id="{F067631B-D3D7-0B85-B239-950473485B92}"/>
+                <a16:creationId xmlns:a16="http://schemas.microsoft.com/office/drawing/2014/main" id="{64955869-4D4D-8C32-5DE0-61A82A1FDF3E}"/>
               </a:ext>
             </a:extLst>
           </p:cNvPr>
@@ -1115,7 +1115,7 @@
           <p:cNvPr id="4" name="日期占位符 3">
             <a:extLst>
               <a:ext uri="{FF2B5EF4-FFF2-40B4-BE49-F238E27FC236}">
-                <a16:creationId xmlns:a16="http://schemas.microsoft.com/office/drawing/2014/main" id="{C5D43A2F-B28D-38FE-DBE9-71FC764B92A2}"/>
+                <a16:creationId xmlns:a16="http://schemas.microsoft.com/office/drawing/2014/main" id="{AF0D130F-EC7F-5639-6321-6E54545EB300}"/>
               </a:ext>
             </a:extLst>
           </p:cNvPr>
@@ -1131,7 +1131,7 @@
           <a:bodyPr/>
           <a:lstStyle/>
           <a:p>
-            <a:fld id="{54785EAA-157E-4E43-81C2-8A18B058EF67}" type="datetimeFigureOut">
+            <a:fld id="{8D8721D8-B7F3-4D74-B32C-9FCC18216309}" type="datetimeFigureOut">
               <a:rPr lang="zh-CN" altLang="en-US" smtClean="0"/>
               <a:t>2024/3/10</a:t>
             </a:fld>
@@ -1144,7 +1144,7 @@
           <p:cNvPr id="5" name="页脚占位符 4">
             <a:extLst>
               <a:ext uri="{FF2B5EF4-FFF2-40B4-BE49-F238E27FC236}">
-                <a16:creationId xmlns:a16="http://schemas.microsoft.com/office/drawing/2014/main" id="{0AC22758-9C28-FE4A-EFD9-34CE68993E48}"/>
+                <a16:creationId xmlns:a16="http://schemas.microsoft.com/office/drawing/2014/main" id="{5034B04A-91D1-E63E-5325-0E432D0769A4}"/>
               </a:ext>
             </a:extLst>
           </p:cNvPr>
@@ -1169,7 +1169,7 @@
           <p:cNvPr id="6" name="灯片编号占位符 5">
             <a:extLst>
               <a:ext uri="{FF2B5EF4-FFF2-40B4-BE49-F238E27FC236}">
-                <a16:creationId xmlns:a16="http://schemas.microsoft.com/office/drawing/2014/main" id="{9E47C706-B7BF-A015-8C1C-C91CEB20ABB4}"/>
+                <a16:creationId xmlns:a16="http://schemas.microsoft.com/office/drawing/2014/main" id="{C3339DEC-DB2F-5DF9-F0CE-79DE8978A975}"/>
               </a:ext>
             </a:extLst>
           </p:cNvPr>
@@ -1185,7 +1185,7 @@
           <a:bodyPr/>
           <a:lstStyle/>
           <a:p>
-            <a:fld id="{20A8294D-85A7-4E8D-A4EC-E53D3913F203}" type="slidenum">
+            <a:fld id="{F4478CEA-CDD2-47C8-9EBC-3348B773E690}" type="slidenum">
               <a:rPr lang="zh-CN" altLang="en-US" smtClean="0"/>
               <a:t>‹#›</a:t>
             </a:fld>
@@ -1196,7 +1196,7 @@
     </p:spTree>
     <p:extLst>
       <p:ext uri="{BB962C8B-B14F-4D97-AF65-F5344CB8AC3E}">
-        <p14:creationId xmlns:p14="http://schemas.microsoft.com/office/powerpoint/2010/main" val="3198809127"/>
+        <p14:creationId xmlns:p14="http://schemas.microsoft.com/office/powerpoint/2010/main" val="3806080576"/>
       </p:ext>
     </p:extLst>
   </p:cSld>
@@ -1228,7 +1228,7 @@
           <p:cNvPr id="2" name="标题 1">
             <a:extLst>
               <a:ext uri="{FF2B5EF4-FFF2-40B4-BE49-F238E27FC236}">
-                <a16:creationId xmlns:a16="http://schemas.microsoft.com/office/drawing/2014/main" id="{BD66CA4E-9E30-8739-ADDA-7E9496095D0D}"/>
+                <a16:creationId xmlns:a16="http://schemas.microsoft.com/office/drawing/2014/main" id="{16F7AEAE-9536-71E8-6895-0D3420F47C2F}"/>
               </a:ext>
             </a:extLst>
           </p:cNvPr>
@@ -1256,7 +1256,7 @@
           <p:cNvPr id="3" name="内容占位符 2">
             <a:extLst>
               <a:ext uri="{FF2B5EF4-FFF2-40B4-BE49-F238E27FC236}">
-                <a16:creationId xmlns:a16="http://schemas.microsoft.com/office/drawing/2014/main" id="{328A5711-5260-0015-B1A3-72F39FD75917}"/>
+                <a16:creationId xmlns:a16="http://schemas.microsoft.com/office/drawing/2014/main" id="{A0A12AD2-DDCF-99DA-2339-7DF2172A687C}"/>
               </a:ext>
             </a:extLst>
           </p:cNvPr>
@@ -1318,7 +1318,7 @@
           <p:cNvPr id="4" name="内容占位符 3">
             <a:extLst>
               <a:ext uri="{FF2B5EF4-FFF2-40B4-BE49-F238E27FC236}">
-                <a16:creationId xmlns:a16="http://schemas.microsoft.com/office/drawing/2014/main" id="{3A1C565E-AF98-F5B7-5C32-8F7228A94DF8}"/>
+                <a16:creationId xmlns:a16="http://schemas.microsoft.com/office/drawing/2014/main" id="{F2D68F11-F4BF-40B7-AFD9-F6F8C8323156}"/>
               </a:ext>
             </a:extLst>
           </p:cNvPr>
@@ -1380,7 +1380,7 @@
           <p:cNvPr id="5" name="日期占位符 4">
             <a:extLst>
               <a:ext uri="{FF2B5EF4-FFF2-40B4-BE49-F238E27FC236}">
-                <a16:creationId xmlns:a16="http://schemas.microsoft.com/office/drawing/2014/main" id="{08E1A922-280C-340A-2375-796365CCD5F7}"/>
+                <a16:creationId xmlns:a16="http://schemas.microsoft.com/office/drawing/2014/main" id="{748C7C34-B336-4F55-619B-05846DBB91A2}"/>
               </a:ext>
             </a:extLst>
           </p:cNvPr>
@@ -1396,7 +1396,7 @@
           <a:bodyPr/>
           <a:lstStyle/>
           <a:p>
-            <a:fld id="{54785EAA-157E-4E43-81C2-8A18B058EF67}" type="datetimeFigureOut">
+            <a:fld id="{8D8721D8-B7F3-4D74-B32C-9FCC18216309}" type="datetimeFigureOut">
               <a:rPr lang="zh-CN" altLang="en-US" smtClean="0"/>
               <a:t>2024/3/10</a:t>
             </a:fld>
@@ -1409,7 +1409,7 @@
           <p:cNvPr id="6" name="页脚占位符 5">
             <a:extLst>
               <a:ext uri="{FF2B5EF4-FFF2-40B4-BE49-F238E27FC236}">
-                <a16:creationId xmlns:a16="http://schemas.microsoft.com/office/drawing/2014/main" id="{FCEEC4D8-83FE-434B-C047-CDB4FA405C51}"/>
+                <a16:creationId xmlns:a16="http://schemas.microsoft.com/office/drawing/2014/main" id="{C4FC0848-CA47-3670-905D-C00DBD933CB3}"/>
               </a:ext>
             </a:extLst>
           </p:cNvPr>
@@ -1434,7 +1434,7 @@
           <p:cNvPr id="7" name="灯片编号占位符 6">
             <a:extLst>
               <a:ext uri="{FF2B5EF4-FFF2-40B4-BE49-F238E27FC236}">
-                <a16:creationId xmlns:a16="http://schemas.microsoft.com/office/drawing/2014/main" id="{FF4710BE-DF69-342E-23C7-633E3959759F}"/>
+                <a16:creationId xmlns:a16="http://schemas.microsoft.com/office/drawing/2014/main" id="{3E73B95F-0C4F-7C3F-9F19-A794EAAE0DFA}"/>
               </a:ext>
             </a:extLst>
           </p:cNvPr>
@@ -1450,7 +1450,7 @@
           <a:bodyPr/>
           <a:lstStyle/>
           <a:p>
-            <a:fld id="{20A8294D-85A7-4E8D-A4EC-E53D3913F203}" type="slidenum">
+            <a:fld id="{F4478CEA-CDD2-47C8-9EBC-3348B773E690}" type="slidenum">
               <a:rPr lang="zh-CN" altLang="en-US" smtClean="0"/>
               <a:t>‹#›</a:t>
             </a:fld>
@@ -1461,7 +1461,7 @@
     </p:spTree>
     <p:extLst>
       <p:ext uri="{BB962C8B-B14F-4D97-AF65-F5344CB8AC3E}">
-        <p14:creationId xmlns:p14="http://schemas.microsoft.com/office/powerpoint/2010/main" val="3138195087"/>
+        <p14:creationId xmlns:p14="http://schemas.microsoft.com/office/powerpoint/2010/main" val="3786247743"/>
       </p:ext>
     </p:extLst>
   </p:cSld>
@@ -1493,7 +1493,7 @@
           <p:cNvPr id="2" name="标题 1">
             <a:extLst>
               <a:ext uri="{FF2B5EF4-FFF2-40B4-BE49-F238E27FC236}">
-                <a16:creationId xmlns:a16="http://schemas.microsoft.com/office/drawing/2014/main" id="{6998286D-6DED-8118-0437-0F592174CC9F}"/>
+                <a16:creationId xmlns:a16="http://schemas.microsoft.com/office/drawing/2014/main" id="{C3793FB4-B7BE-9E1F-66D7-12CCD8C91598}"/>
               </a:ext>
             </a:extLst>
           </p:cNvPr>
@@ -1526,7 +1526,7 @@
           <p:cNvPr id="3" name="文本占位符 2">
             <a:extLst>
               <a:ext uri="{FF2B5EF4-FFF2-40B4-BE49-F238E27FC236}">
-                <a16:creationId xmlns:a16="http://schemas.microsoft.com/office/drawing/2014/main" id="{5A65B3C7-FCB9-012C-2E8B-8024742E77B2}"/>
+                <a16:creationId xmlns:a16="http://schemas.microsoft.com/office/drawing/2014/main" id="{6A93D167-5AAF-69AC-F319-5A687064961B}"/>
               </a:ext>
             </a:extLst>
           </p:cNvPr>
@@ -1597,7 +1597,7 @@
           <p:cNvPr id="4" name="内容占位符 3">
             <a:extLst>
               <a:ext uri="{FF2B5EF4-FFF2-40B4-BE49-F238E27FC236}">
-                <a16:creationId xmlns:a16="http://schemas.microsoft.com/office/drawing/2014/main" id="{D08CB136-37DE-0EBC-F001-0BDCF01E12FD}"/>
+                <a16:creationId xmlns:a16="http://schemas.microsoft.com/office/drawing/2014/main" id="{B3D97156-5653-6900-F9D5-0EC63DF9AE91}"/>
               </a:ext>
             </a:extLst>
           </p:cNvPr>
@@ -1659,7 +1659,7 @@
           <p:cNvPr id="5" name="文本占位符 4">
             <a:extLst>
               <a:ext uri="{FF2B5EF4-FFF2-40B4-BE49-F238E27FC236}">
-                <a16:creationId xmlns:a16="http://schemas.microsoft.com/office/drawing/2014/main" id="{89FF0C93-BA8C-418A-F940-F5D792A78381}"/>
+                <a16:creationId xmlns:a16="http://schemas.microsoft.com/office/drawing/2014/main" id="{619C9ED9-72D4-ED10-6E47-425B5E595F3A}"/>
               </a:ext>
             </a:extLst>
           </p:cNvPr>
@@ -1730,7 +1730,7 @@
           <p:cNvPr id="6" name="内容占位符 5">
             <a:extLst>
               <a:ext uri="{FF2B5EF4-FFF2-40B4-BE49-F238E27FC236}">
-                <a16:creationId xmlns:a16="http://schemas.microsoft.com/office/drawing/2014/main" id="{7B915D6C-5B1B-8021-6A39-025B5E98D17A}"/>
+                <a16:creationId xmlns:a16="http://schemas.microsoft.com/office/drawing/2014/main" id="{249DEC1C-062F-3571-6C5F-B922F00A4335}"/>
               </a:ext>
             </a:extLst>
           </p:cNvPr>
@@ -1792,7 +1792,7 @@
           <p:cNvPr id="7" name="日期占位符 6">
             <a:extLst>
               <a:ext uri="{FF2B5EF4-FFF2-40B4-BE49-F238E27FC236}">
-                <a16:creationId xmlns:a16="http://schemas.microsoft.com/office/drawing/2014/main" id="{1E687DFD-54AA-9776-EEEB-91C5492B3FF2}"/>
+                <a16:creationId xmlns:a16="http://schemas.microsoft.com/office/drawing/2014/main" id="{ACA25AE8-7E20-439D-4FD8-A7886B8414FE}"/>
               </a:ext>
             </a:extLst>
           </p:cNvPr>
@@ -1808,7 +1808,7 @@
           <a:bodyPr/>
           <a:lstStyle/>
           <a:p>
-            <a:fld id="{54785EAA-157E-4E43-81C2-8A18B058EF67}" type="datetimeFigureOut">
+            <a:fld id="{8D8721D8-B7F3-4D74-B32C-9FCC18216309}" type="datetimeFigureOut">
               <a:rPr lang="zh-CN" altLang="en-US" smtClean="0"/>
               <a:t>2024/3/10</a:t>
             </a:fld>
@@ -1821,7 +1821,7 @@
           <p:cNvPr id="8" name="页脚占位符 7">
             <a:extLst>
               <a:ext uri="{FF2B5EF4-FFF2-40B4-BE49-F238E27FC236}">
-                <a16:creationId xmlns:a16="http://schemas.microsoft.com/office/drawing/2014/main" id="{7A9BE5A8-676B-FDAC-C431-4F15039639A8}"/>
+                <a16:creationId xmlns:a16="http://schemas.microsoft.com/office/drawing/2014/main" id="{2CC8B745-B707-8332-F220-A0D18E0432F9}"/>
               </a:ext>
             </a:extLst>
           </p:cNvPr>
@@ -1846,7 +1846,7 @@
           <p:cNvPr id="9" name="灯片编号占位符 8">
             <a:extLst>
               <a:ext uri="{FF2B5EF4-FFF2-40B4-BE49-F238E27FC236}">
-                <a16:creationId xmlns:a16="http://schemas.microsoft.com/office/drawing/2014/main" id="{A2A76DDF-A6B7-1A9A-D76D-2C344FB65C45}"/>
+                <a16:creationId xmlns:a16="http://schemas.microsoft.com/office/drawing/2014/main" id="{05F8ABA9-D326-BA15-3F25-A811974B4A3D}"/>
               </a:ext>
             </a:extLst>
           </p:cNvPr>
@@ -1862,7 +1862,7 @@
           <a:bodyPr/>
           <a:lstStyle/>
           <a:p>
-            <a:fld id="{20A8294D-85A7-4E8D-A4EC-E53D3913F203}" type="slidenum">
+            <a:fld id="{F4478CEA-CDD2-47C8-9EBC-3348B773E690}" type="slidenum">
               <a:rPr lang="zh-CN" altLang="en-US" smtClean="0"/>
               <a:t>‹#›</a:t>
             </a:fld>
@@ -1873,7 +1873,7 @@
     </p:spTree>
     <p:extLst>
       <p:ext uri="{BB962C8B-B14F-4D97-AF65-F5344CB8AC3E}">
-        <p14:creationId xmlns:p14="http://schemas.microsoft.com/office/powerpoint/2010/main" val="1957798184"/>
+        <p14:creationId xmlns:p14="http://schemas.microsoft.com/office/powerpoint/2010/main" val="244659155"/>
       </p:ext>
     </p:extLst>
   </p:cSld>
@@ -1905,7 +1905,7 @@
           <p:cNvPr id="2" name="标题 1">
             <a:extLst>
               <a:ext uri="{FF2B5EF4-FFF2-40B4-BE49-F238E27FC236}">
-                <a16:creationId xmlns:a16="http://schemas.microsoft.com/office/drawing/2014/main" id="{E58838EB-5764-1260-E074-577B2D1049A8}"/>
+                <a16:creationId xmlns:a16="http://schemas.microsoft.com/office/drawing/2014/main" id="{8A5AFC1E-2CEA-AAFC-F476-6DF866443087}"/>
               </a:ext>
             </a:extLst>
           </p:cNvPr>
@@ -1933,7 +1933,7 @@
           <p:cNvPr id="3" name="日期占位符 2">
             <a:extLst>
               <a:ext uri="{FF2B5EF4-FFF2-40B4-BE49-F238E27FC236}">
-                <a16:creationId xmlns:a16="http://schemas.microsoft.com/office/drawing/2014/main" id="{B3E43EF3-2A5A-C9D2-7744-97CE0D41D396}"/>
+                <a16:creationId xmlns:a16="http://schemas.microsoft.com/office/drawing/2014/main" id="{52230B46-1CA2-67C6-A487-E841D8AC1CCE}"/>
               </a:ext>
             </a:extLst>
           </p:cNvPr>
@@ -1949,7 +1949,7 @@
           <a:bodyPr/>
           <a:lstStyle/>
           <a:p>
-            <a:fld id="{54785EAA-157E-4E43-81C2-8A18B058EF67}" type="datetimeFigureOut">
+            <a:fld id="{8D8721D8-B7F3-4D74-B32C-9FCC18216309}" type="datetimeFigureOut">
               <a:rPr lang="zh-CN" altLang="en-US" smtClean="0"/>
               <a:t>2024/3/10</a:t>
             </a:fld>
@@ -1962,7 +1962,7 @@
           <p:cNvPr id="4" name="页脚占位符 3">
             <a:extLst>
               <a:ext uri="{FF2B5EF4-FFF2-40B4-BE49-F238E27FC236}">
-                <a16:creationId xmlns:a16="http://schemas.microsoft.com/office/drawing/2014/main" id="{EE03E529-8481-0B30-4739-02CE5B7F51C3}"/>
+                <a16:creationId xmlns:a16="http://schemas.microsoft.com/office/drawing/2014/main" id="{1F2C1A1D-DFA4-18A4-C611-25F497C18799}"/>
               </a:ext>
             </a:extLst>
           </p:cNvPr>
@@ -1987,7 +1987,7 @@
           <p:cNvPr id="5" name="灯片编号占位符 4">
             <a:extLst>
               <a:ext uri="{FF2B5EF4-FFF2-40B4-BE49-F238E27FC236}">
-                <a16:creationId xmlns:a16="http://schemas.microsoft.com/office/drawing/2014/main" id="{A0C19A66-C7FB-DD66-B564-46B4C84BC34A}"/>
+                <a16:creationId xmlns:a16="http://schemas.microsoft.com/office/drawing/2014/main" id="{784A538F-76E0-B8EC-D9D1-A6FD05A165A0}"/>
               </a:ext>
             </a:extLst>
           </p:cNvPr>
@@ -2003,7 +2003,7 @@
           <a:bodyPr/>
           <a:lstStyle/>
           <a:p>
-            <a:fld id="{20A8294D-85A7-4E8D-A4EC-E53D3913F203}" type="slidenum">
+            <a:fld id="{F4478CEA-CDD2-47C8-9EBC-3348B773E690}" type="slidenum">
               <a:rPr lang="zh-CN" altLang="en-US" smtClean="0"/>
               <a:t>‹#›</a:t>
             </a:fld>
@@ -2014,7 +2014,7 @@
     </p:spTree>
     <p:extLst>
       <p:ext uri="{BB962C8B-B14F-4D97-AF65-F5344CB8AC3E}">
-        <p14:creationId xmlns:p14="http://schemas.microsoft.com/office/powerpoint/2010/main" val="3466702679"/>
+        <p14:creationId xmlns:p14="http://schemas.microsoft.com/office/powerpoint/2010/main" val="190308805"/>
       </p:ext>
     </p:extLst>
   </p:cSld>
@@ -2046,7 +2046,7 @@
           <p:cNvPr id="2" name="日期占位符 1">
             <a:extLst>
               <a:ext uri="{FF2B5EF4-FFF2-40B4-BE49-F238E27FC236}">
-                <a16:creationId xmlns:a16="http://schemas.microsoft.com/office/drawing/2014/main" id="{381AF466-537F-E79A-0884-8DF508638E78}"/>
+                <a16:creationId xmlns:a16="http://schemas.microsoft.com/office/drawing/2014/main" id="{5FF53712-AE02-94EA-CE55-A9B13F35C59D}"/>
               </a:ext>
             </a:extLst>
           </p:cNvPr>
@@ -2062,7 +2062,7 @@
           <a:bodyPr/>
           <a:lstStyle/>
           <a:p>
-            <a:fld id="{54785EAA-157E-4E43-81C2-8A18B058EF67}" type="datetimeFigureOut">
+            <a:fld id="{8D8721D8-B7F3-4D74-B32C-9FCC18216309}" type="datetimeFigureOut">
               <a:rPr lang="zh-CN" altLang="en-US" smtClean="0"/>
               <a:t>2024/3/10</a:t>
             </a:fld>
@@ -2075,7 +2075,7 @@
           <p:cNvPr id="3" name="页脚占位符 2">
             <a:extLst>
               <a:ext uri="{FF2B5EF4-FFF2-40B4-BE49-F238E27FC236}">
-                <a16:creationId xmlns:a16="http://schemas.microsoft.com/office/drawing/2014/main" id="{75F9B7FB-8FE9-8F41-239F-78BE37ECFCCE}"/>
+                <a16:creationId xmlns:a16="http://schemas.microsoft.com/office/drawing/2014/main" id="{1BEDD211-A89F-E72C-E548-5D7D52DC6E5C}"/>
               </a:ext>
             </a:extLst>
           </p:cNvPr>
@@ -2100,7 +2100,7 @@
           <p:cNvPr id="4" name="灯片编号占位符 3">
             <a:extLst>
               <a:ext uri="{FF2B5EF4-FFF2-40B4-BE49-F238E27FC236}">
-                <a16:creationId xmlns:a16="http://schemas.microsoft.com/office/drawing/2014/main" id="{1CB100C5-33AC-B048-7EDD-48DB9F955370}"/>
+                <a16:creationId xmlns:a16="http://schemas.microsoft.com/office/drawing/2014/main" id="{7B4CF01E-2A10-65E0-11C7-B1F3E5D85C7C}"/>
               </a:ext>
             </a:extLst>
           </p:cNvPr>
@@ -2116,7 +2116,7 @@
           <a:bodyPr/>
           <a:lstStyle/>
           <a:p>
-            <a:fld id="{20A8294D-85A7-4E8D-A4EC-E53D3913F203}" type="slidenum">
+            <a:fld id="{F4478CEA-CDD2-47C8-9EBC-3348B773E690}" type="slidenum">
               <a:rPr lang="zh-CN" altLang="en-US" smtClean="0"/>
               <a:t>‹#›</a:t>
             </a:fld>
@@ -2127,7 +2127,7 @@
     </p:spTree>
     <p:extLst>
       <p:ext uri="{BB962C8B-B14F-4D97-AF65-F5344CB8AC3E}">
-        <p14:creationId xmlns:p14="http://schemas.microsoft.com/office/powerpoint/2010/main" val="2777862962"/>
+        <p14:creationId xmlns:p14="http://schemas.microsoft.com/office/powerpoint/2010/main" val="1363965523"/>
       </p:ext>
     </p:extLst>
   </p:cSld>
@@ -2159,7 +2159,7 @@
           <p:cNvPr id="2" name="标题 1">
             <a:extLst>
               <a:ext uri="{FF2B5EF4-FFF2-40B4-BE49-F238E27FC236}">
-                <a16:creationId xmlns:a16="http://schemas.microsoft.com/office/drawing/2014/main" id="{0D2EDBDB-3F6A-D208-1D93-52C79905A952}"/>
+                <a16:creationId xmlns:a16="http://schemas.microsoft.com/office/drawing/2014/main" id="{495DA880-13EA-A62D-18F1-ED42BFF231F0}"/>
               </a:ext>
             </a:extLst>
           </p:cNvPr>
@@ -2196,7 +2196,7 @@
           <p:cNvPr id="3" name="内容占位符 2">
             <a:extLst>
               <a:ext uri="{FF2B5EF4-FFF2-40B4-BE49-F238E27FC236}">
-                <a16:creationId xmlns:a16="http://schemas.microsoft.com/office/drawing/2014/main" id="{84D50BD3-4302-F9A6-7A50-3266B48AB000}"/>
+                <a16:creationId xmlns:a16="http://schemas.microsoft.com/office/drawing/2014/main" id="{35B20CC2-7146-380D-1487-8751CCA4A86E}"/>
               </a:ext>
             </a:extLst>
           </p:cNvPr>
@@ -2286,7 +2286,7 @@
           <p:cNvPr id="4" name="文本占位符 3">
             <a:extLst>
               <a:ext uri="{FF2B5EF4-FFF2-40B4-BE49-F238E27FC236}">
-                <a16:creationId xmlns:a16="http://schemas.microsoft.com/office/drawing/2014/main" id="{98292D7D-C068-FC07-27C7-D5A4240A6FE9}"/>
+                <a16:creationId xmlns:a16="http://schemas.microsoft.com/office/drawing/2014/main" id="{AB8947D0-9D4B-D420-1B3B-6579A536FC27}"/>
               </a:ext>
             </a:extLst>
           </p:cNvPr>
@@ -2357,7 +2357,7 @@
           <p:cNvPr id="5" name="日期占位符 4">
             <a:extLst>
               <a:ext uri="{FF2B5EF4-FFF2-40B4-BE49-F238E27FC236}">
-                <a16:creationId xmlns:a16="http://schemas.microsoft.com/office/drawing/2014/main" id="{F0493A94-FABE-6C51-FAC7-A94B5D073223}"/>
+                <a16:creationId xmlns:a16="http://schemas.microsoft.com/office/drawing/2014/main" id="{452B37E1-6E6C-93BB-4407-4649F359CD06}"/>
               </a:ext>
             </a:extLst>
           </p:cNvPr>
@@ -2373,7 +2373,7 @@
           <a:bodyPr/>
           <a:lstStyle/>
           <a:p>
-            <a:fld id="{54785EAA-157E-4E43-81C2-8A18B058EF67}" type="datetimeFigureOut">
+            <a:fld id="{8D8721D8-B7F3-4D74-B32C-9FCC18216309}" type="datetimeFigureOut">
               <a:rPr lang="zh-CN" altLang="en-US" smtClean="0"/>
               <a:t>2024/3/10</a:t>
             </a:fld>
@@ -2386,7 +2386,7 @@
           <p:cNvPr id="6" name="页脚占位符 5">
             <a:extLst>
               <a:ext uri="{FF2B5EF4-FFF2-40B4-BE49-F238E27FC236}">
-                <a16:creationId xmlns:a16="http://schemas.microsoft.com/office/drawing/2014/main" id="{B6F8AF43-79EA-71AD-7ACB-240D10E8A57C}"/>
+                <a16:creationId xmlns:a16="http://schemas.microsoft.com/office/drawing/2014/main" id="{AA56448E-34C2-AE38-F22D-AD59FBA942B2}"/>
               </a:ext>
             </a:extLst>
           </p:cNvPr>
@@ -2411,7 +2411,7 @@
           <p:cNvPr id="7" name="灯片编号占位符 6">
             <a:extLst>
               <a:ext uri="{FF2B5EF4-FFF2-40B4-BE49-F238E27FC236}">
-                <a16:creationId xmlns:a16="http://schemas.microsoft.com/office/drawing/2014/main" id="{47171EEE-DA6D-8D59-CFBF-66059ADEC3F0}"/>
+                <a16:creationId xmlns:a16="http://schemas.microsoft.com/office/drawing/2014/main" id="{CF8EC468-0D0D-AF7E-F59D-073892025349}"/>
               </a:ext>
             </a:extLst>
           </p:cNvPr>
@@ -2427,7 +2427,7 @@
           <a:bodyPr/>
           <a:lstStyle/>
           <a:p>
-            <a:fld id="{20A8294D-85A7-4E8D-A4EC-E53D3913F203}" type="slidenum">
+            <a:fld id="{F4478CEA-CDD2-47C8-9EBC-3348B773E690}" type="slidenum">
               <a:rPr lang="zh-CN" altLang="en-US" smtClean="0"/>
               <a:t>‹#›</a:t>
             </a:fld>
@@ -2438,7 +2438,7 @@
     </p:spTree>
     <p:extLst>
       <p:ext uri="{BB962C8B-B14F-4D97-AF65-F5344CB8AC3E}">
-        <p14:creationId xmlns:p14="http://schemas.microsoft.com/office/powerpoint/2010/main" val="3511376354"/>
+        <p14:creationId xmlns:p14="http://schemas.microsoft.com/office/powerpoint/2010/main" val="465986219"/>
       </p:ext>
     </p:extLst>
   </p:cSld>
@@ -2470,7 +2470,7 @@
           <p:cNvPr id="2" name="标题 1">
             <a:extLst>
               <a:ext uri="{FF2B5EF4-FFF2-40B4-BE49-F238E27FC236}">
-                <a16:creationId xmlns:a16="http://schemas.microsoft.com/office/drawing/2014/main" id="{7E97C34F-012F-6172-6556-A4A1600F262A}"/>
+                <a16:creationId xmlns:a16="http://schemas.microsoft.com/office/drawing/2014/main" id="{61CF11CF-FD63-8610-2325-A16A181A2E61}"/>
               </a:ext>
             </a:extLst>
           </p:cNvPr>
@@ -2507,7 +2507,7 @@
           <p:cNvPr id="3" name="图片占位符 2">
             <a:extLst>
               <a:ext uri="{FF2B5EF4-FFF2-40B4-BE49-F238E27FC236}">
-                <a16:creationId xmlns:a16="http://schemas.microsoft.com/office/drawing/2014/main" id="{8A712E34-6A1A-E36D-CB54-B3F861969313}"/>
+                <a16:creationId xmlns:a16="http://schemas.microsoft.com/office/drawing/2014/main" id="{8672F74A-7EDF-B800-642A-70B75E6C9139}"/>
               </a:ext>
             </a:extLst>
           </p:cNvPr>
@@ -2574,7 +2574,7 @@
           <p:cNvPr id="4" name="文本占位符 3">
             <a:extLst>
               <a:ext uri="{FF2B5EF4-FFF2-40B4-BE49-F238E27FC236}">
-                <a16:creationId xmlns:a16="http://schemas.microsoft.com/office/drawing/2014/main" id="{83B00D58-314C-FA5A-C9D1-F986F2728A29}"/>
+                <a16:creationId xmlns:a16="http://schemas.microsoft.com/office/drawing/2014/main" id="{1810475B-B4AA-9A45-4651-E9128D166DEB}"/>
               </a:ext>
             </a:extLst>
           </p:cNvPr>
@@ -2645,7 +2645,7 @@
           <p:cNvPr id="5" name="日期占位符 4">
             <a:extLst>
               <a:ext uri="{FF2B5EF4-FFF2-40B4-BE49-F238E27FC236}">
-                <a16:creationId xmlns:a16="http://schemas.microsoft.com/office/drawing/2014/main" id="{51468677-D34F-99D5-F4FA-D16BF6EFFC72}"/>
+                <a16:creationId xmlns:a16="http://schemas.microsoft.com/office/drawing/2014/main" id="{7560E3CD-0A6A-E6D9-BA75-A84244C4F566}"/>
               </a:ext>
             </a:extLst>
           </p:cNvPr>
@@ -2661,7 +2661,7 @@
           <a:bodyPr/>
           <a:lstStyle/>
           <a:p>
-            <a:fld id="{54785EAA-157E-4E43-81C2-8A18B058EF67}" type="datetimeFigureOut">
+            <a:fld id="{8D8721D8-B7F3-4D74-B32C-9FCC18216309}" type="datetimeFigureOut">
               <a:rPr lang="zh-CN" altLang="en-US" smtClean="0"/>
               <a:t>2024/3/10</a:t>
             </a:fld>
@@ -2674,7 +2674,7 @@
           <p:cNvPr id="6" name="页脚占位符 5">
             <a:extLst>
               <a:ext uri="{FF2B5EF4-FFF2-40B4-BE49-F238E27FC236}">
-                <a16:creationId xmlns:a16="http://schemas.microsoft.com/office/drawing/2014/main" id="{41CFB50B-4AB1-DDC8-DA4F-3B12C1280124}"/>
+                <a16:creationId xmlns:a16="http://schemas.microsoft.com/office/drawing/2014/main" id="{2BCA1C54-9009-CD0C-C947-70FC65845105}"/>
               </a:ext>
             </a:extLst>
           </p:cNvPr>
@@ -2699,7 +2699,7 @@
           <p:cNvPr id="7" name="灯片编号占位符 6">
             <a:extLst>
               <a:ext uri="{FF2B5EF4-FFF2-40B4-BE49-F238E27FC236}">
-                <a16:creationId xmlns:a16="http://schemas.microsoft.com/office/drawing/2014/main" id="{D16E9BF3-DB1A-2BFF-42E9-660CF9EED0DF}"/>
+                <a16:creationId xmlns:a16="http://schemas.microsoft.com/office/drawing/2014/main" id="{D6CA2E3E-EB1A-F08E-46B4-700393CC7458}"/>
               </a:ext>
             </a:extLst>
           </p:cNvPr>
@@ -2715,7 +2715,7 @@
           <a:bodyPr/>
           <a:lstStyle/>
           <a:p>
-            <a:fld id="{20A8294D-85A7-4E8D-A4EC-E53D3913F203}" type="slidenum">
+            <a:fld id="{F4478CEA-CDD2-47C8-9EBC-3348B773E690}" type="slidenum">
               <a:rPr lang="zh-CN" altLang="en-US" smtClean="0"/>
               <a:t>‹#›</a:t>
             </a:fld>
@@ -2726,7 +2726,7 @@
     </p:spTree>
     <p:extLst>
       <p:ext uri="{BB962C8B-B14F-4D97-AF65-F5344CB8AC3E}">
-        <p14:creationId xmlns:p14="http://schemas.microsoft.com/office/powerpoint/2010/main" val="4293179569"/>
+        <p14:creationId xmlns:p14="http://schemas.microsoft.com/office/powerpoint/2010/main" val="1203517768"/>
       </p:ext>
     </p:extLst>
   </p:cSld>
@@ -2763,7 +2763,7 @@
           <p:cNvPr id="2" name="标题占位符 1">
             <a:extLst>
               <a:ext uri="{FF2B5EF4-FFF2-40B4-BE49-F238E27FC236}">
-                <a16:creationId xmlns:a16="http://schemas.microsoft.com/office/drawing/2014/main" id="{68B9DDC4-16F9-0643-73C5-89063A0D9DEF}"/>
+                <a16:creationId xmlns:a16="http://schemas.microsoft.com/office/drawing/2014/main" id="{2BDF1CE1-22AD-8C63-62E4-3B598889640E}"/>
               </a:ext>
             </a:extLst>
           </p:cNvPr>
@@ -2801,7 +2801,7 @@
           <p:cNvPr id="3" name="文本占位符 2">
             <a:extLst>
               <a:ext uri="{FF2B5EF4-FFF2-40B4-BE49-F238E27FC236}">
-                <a16:creationId xmlns:a16="http://schemas.microsoft.com/office/drawing/2014/main" id="{394895F8-B12E-7528-51EB-ABC7F86A3494}"/>
+                <a16:creationId xmlns:a16="http://schemas.microsoft.com/office/drawing/2014/main" id="{A8BC3917-749F-5B19-C412-2DED73A5184A}"/>
               </a:ext>
             </a:extLst>
           </p:cNvPr>
@@ -2868,7 +2868,7 @@
           <p:cNvPr id="4" name="日期占位符 3">
             <a:extLst>
               <a:ext uri="{FF2B5EF4-FFF2-40B4-BE49-F238E27FC236}">
-                <a16:creationId xmlns:a16="http://schemas.microsoft.com/office/drawing/2014/main" id="{8282A515-B8DD-69B0-114A-576332C92D31}"/>
+                <a16:creationId xmlns:a16="http://schemas.microsoft.com/office/drawing/2014/main" id="{B851EF9E-E20C-2471-33E2-B51292A1E856}"/>
               </a:ext>
             </a:extLst>
           </p:cNvPr>
@@ -2902,7 +2902,7 @@
             </a:lvl1pPr>
           </a:lstStyle>
           <a:p>
-            <a:fld id="{54785EAA-157E-4E43-81C2-8A18B058EF67}" type="datetimeFigureOut">
+            <a:fld id="{8D8721D8-B7F3-4D74-B32C-9FCC18216309}" type="datetimeFigureOut">
               <a:rPr lang="zh-CN" altLang="en-US" smtClean="0"/>
               <a:t>2024/3/10</a:t>
             </a:fld>
@@ -2915,7 +2915,7 @@
           <p:cNvPr id="5" name="页脚占位符 4">
             <a:extLst>
               <a:ext uri="{FF2B5EF4-FFF2-40B4-BE49-F238E27FC236}">
-                <a16:creationId xmlns:a16="http://schemas.microsoft.com/office/drawing/2014/main" id="{49BD19F7-E0AC-F970-AEC2-251A638EC8F0}"/>
+                <a16:creationId xmlns:a16="http://schemas.microsoft.com/office/drawing/2014/main" id="{F59DAD97-CE90-44FA-3199-965F6E2E76EB}"/>
               </a:ext>
             </a:extLst>
           </p:cNvPr>
@@ -2958,7 +2958,7 @@
           <p:cNvPr id="6" name="灯片编号占位符 5">
             <a:extLst>
               <a:ext uri="{FF2B5EF4-FFF2-40B4-BE49-F238E27FC236}">
-                <a16:creationId xmlns:a16="http://schemas.microsoft.com/office/drawing/2014/main" id="{F9F6C706-8BDC-D0B8-F660-98B25D8C8358}"/>
+                <a16:creationId xmlns:a16="http://schemas.microsoft.com/office/drawing/2014/main" id="{E4A295C2-8E48-4B35-4633-B6623B841E35}"/>
               </a:ext>
             </a:extLst>
           </p:cNvPr>
@@ -2992,7 +2992,7 @@
             </a:lvl1pPr>
           </a:lstStyle>
           <a:p>
-            <a:fld id="{20A8294D-85A7-4E8D-A4EC-E53D3913F203}" type="slidenum">
+            <a:fld id="{F4478CEA-CDD2-47C8-9EBC-3348B773E690}" type="slidenum">
               <a:rPr lang="zh-CN" altLang="en-US" smtClean="0"/>
               <a:t>‹#›</a:t>
             </a:fld>
@@ -3003,7 +3003,7 @@
     </p:spTree>
     <p:extLst>
       <p:ext uri="{BB962C8B-B14F-4D97-AF65-F5344CB8AC3E}">
-        <p14:creationId xmlns:p14="http://schemas.microsoft.com/office/powerpoint/2010/main" val="335343546"/>
+        <p14:creationId xmlns:p14="http://schemas.microsoft.com/office/powerpoint/2010/main" val="4054814656"/>
       </p:ext>
     </p:extLst>
   </p:cSld>
@@ -3323,7 +3323,7 @@
       </p:grpSpPr>
       <p:pic>
         <p:nvPicPr>
-          <p:cNvPr id="1132546" name="Picture 2" descr="1105"/>
+          <p:cNvPr id="1133570" name="Picture 2" descr="1106"/>
           <p:cNvPicPr>
             <a:picLocks noChangeAspect="1" noChangeArrowheads="1"/>
           </p:cNvPicPr>
@@ -3345,7 +3345,7 @@
         <p:spPr bwMode="auto">
           <a:xfrm>
             <a:off x="1524000" y="0"/>
-            <a:ext cx="9144000" cy="6165850"/>
+            <a:ext cx="9144000" cy="6858000"/>
           </a:xfrm>
           <a:prstGeom prst="rect">
             <a:avLst/>
@@ -3377,7 +3377,7 @@
       </p:pic>
       <p:pic>
         <p:nvPicPr>
-          <p:cNvPr id="1133571" name="Picture 3" descr="1105-2"/>
+          <p:cNvPr id="1134595" name="Picture 3" descr="1106-2"/>
           <p:cNvPicPr>
             <a:picLocks noChangeAspect="1" noChangeArrowheads="1"/>
           </p:cNvPicPr>
@@ -3398,8 +3398,8 @@
         </p:blipFill>
         <p:spPr bwMode="auto">
           <a:xfrm>
-            <a:off x="1524000" y="0"/>
-            <a:ext cx="9144000" cy="6858000"/>
+            <a:off x="1500188" y="-14288"/>
+            <a:ext cx="9205913" cy="6900863"/>
           </a:xfrm>
           <a:prstGeom prst="rect">
             <a:avLst/>
@@ -3478,7 +3478,7 @@
                                           </p:stCondLst>
                                         </p:cTn>
                                         <p:tgtEl>
-                                          <p:spTgt spid="1133571"/>
+                                          <p:spTgt spid="1134595"/>
                                         </p:tgtEl>
                                         <p:attrNameLst>
                                           <p:attrName>style.visibility</p:attrName>
@@ -3492,7 +3492,7 @@
                                       <p:cBhvr>
                                         <p:cTn id="7" dur="500"/>
                                         <p:tgtEl>
-                                          <p:spTgt spid="1133571"/>
+                                          <p:spTgt spid="1134595"/>
                                         </p:tgtEl>
                                       </p:cBhvr>
                                     </p:animEffect>
